--- a/똠양궁 1차 발표.pptx
+++ b/똠양궁 1차 발표.pptx
@@ -5,13 +5,14 @@
     <p:sldMasterId id="2147483648" r:id="rId1"/>
   </p:sldMasterIdLst>
   <p:notesMasterIdLst>
-    <p:notesMasterId r:id="rId6"/>
+    <p:notesMasterId r:id="rId7"/>
   </p:notesMasterIdLst>
   <p:sldIdLst>
     <p:sldId id="256" r:id="rId2"/>
     <p:sldId id="257" r:id="rId3"/>
     <p:sldId id="258" r:id="rId4"/>
-    <p:sldId id="259" r:id="rId5"/>
+    <p:sldId id="260" r:id="rId5"/>
+    <p:sldId id="259" r:id="rId6"/>
   </p:sldIdLst>
   <p:sldSz cx="12192000" cy="6858000"/>
   <p:notesSz cx="6858000" cy="9144000"/>
@@ -546,6 +547,94 @@
     <p:extLst>
       <p:ext uri="{BB962C8B-B14F-4D97-AF65-F5344CB8AC3E}">
         <p14:creationId xmlns:p14="http://schemas.microsoft.com/office/powerpoint/2010/main" val="4206927056"/>
+      </p:ext>
+    </p:extLst>
+  </p:cSld>
+  <p:clrMapOvr>
+    <a:masterClrMapping/>
+  </p:clrMapOvr>
+</p:notes>
+</file>
+
+<file path=ppt/notesSlides/notesSlide2.xml><?xml version="1.0" encoding="utf-8"?>
+<p:notes xmlns:a="http://schemas.openxmlformats.org/drawingml/2006/main" xmlns:r="http://schemas.openxmlformats.org/officeDocument/2006/relationships" xmlns:p="http://schemas.openxmlformats.org/presentationml/2006/main">
+  <p:cSld>
+    <p:spTree>
+      <p:nvGrpSpPr>
+        <p:cNvPr id="1" name=""/>
+        <p:cNvGrpSpPr/>
+        <p:nvPr/>
+      </p:nvGrpSpPr>
+      <p:grpSpPr>
+        <a:xfrm>
+          <a:off x="0" y="0"/>
+          <a:ext cx="0" cy="0"/>
+          <a:chOff x="0" y="0"/>
+          <a:chExt cx="0" cy="0"/>
+        </a:xfrm>
+      </p:grpSpPr>
+      <p:sp>
+        <p:nvSpPr>
+          <p:cNvPr id="2" name="슬라이드 이미지 개체 틀 1"/>
+          <p:cNvSpPr>
+            <a:spLocks noGrp="1" noRot="1" noChangeAspect="1"/>
+          </p:cNvSpPr>
+          <p:nvPr>
+            <p:ph type="sldImg"/>
+          </p:nvPr>
+        </p:nvSpPr>
+        <p:spPr/>
+      </p:sp>
+      <p:sp>
+        <p:nvSpPr>
+          <p:cNvPr id="3" name="슬라이드 노트 개체 틀 2"/>
+          <p:cNvSpPr>
+            <a:spLocks noGrp="1"/>
+          </p:cNvSpPr>
+          <p:nvPr>
+            <p:ph type="body" idx="1"/>
+          </p:nvPr>
+        </p:nvSpPr>
+        <p:spPr/>
+        <p:txBody>
+          <a:bodyPr/>
+          <a:lstStyle/>
+          <a:p>
+            <a:endParaRPr lang="ko-KR" altLang="en-US" dirty="0">
+              <a:solidFill>
+                <a:schemeClr val="bg1"/>
+              </a:solidFill>
+            </a:endParaRPr>
+          </a:p>
+        </p:txBody>
+      </p:sp>
+      <p:sp>
+        <p:nvSpPr>
+          <p:cNvPr id="4" name="슬라이드 번호 개체 틀 3"/>
+          <p:cNvSpPr>
+            <a:spLocks noGrp="1"/>
+          </p:cNvSpPr>
+          <p:nvPr>
+            <p:ph type="sldNum" sz="quarter" idx="5"/>
+          </p:nvPr>
+        </p:nvSpPr>
+        <p:spPr/>
+        <p:txBody>
+          <a:bodyPr/>
+          <a:lstStyle/>
+          <a:p>
+            <a:fld id="{2565EF49-0A14-4334-8084-40124D7132CB}" type="slidenum">
+              <a:rPr lang="ko-KR" altLang="en-US" smtClean="0"/>
+              <a:t>4</a:t>
+            </a:fld>
+            <a:endParaRPr lang="ko-KR" altLang="en-US"/>
+          </a:p>
+        </p:txBody>
+      </p:sp>
+    </p:spTree>
+    <p:extLst>
+      <p:ext uri="{BB962C8B-B14F-4D97-AF65-F5344CB8AC3E}">
+        <p14:creationId xmlns:p14="http://schemas.microsoft.com/office/powerpoint/2010/main" val="2880744102"/>
       </p:ext>
     </p:extLst>
   </p:cSld>
@@ -4679,6 +4768,64 @@
                 <a:ea typeface="G마켓 산스 Light" panose="02000000000000000000" pitchFamily="50" charset="-127"/>
               </a:rPr>
               <a:t>이라는 핵심 컨텐츠를 중심으로 궁에서 양궁을 하거나 양이 양궁을 하는 등의 여러 언어유희를 이용하여 재미 요소를 더한 컨셉</a:t>
+            </a:r>
+            <a:endParaRPr lang="en-US" altLang="ko-KR" dirty="0">
+              <a:solidFill>
+                <a:schemeClr val="bg1"/>
+              </a:solidFill>
+              <a:latin typeface="G마켓 산스 Light" panose="02000000000000000000" pitchFamily="50" charset="-127"/>
+              <a:ea typeface="G마켓 산스 Light" panose="02000000000000000000" pitchFamily="50" charset="-127"/>
+            </a:endParaRPr>
+          </a:p>
+          <a:p>
+            <a:pPr>
+              <a:lnSpc>
+                <a:spcPct val="150000"/>
+              </a:lnSpc>
+              <a:spcBef>
+                <a:spcPts val="0"/>
+              </a:spcBef>
+              <a:buFont typeface="맑은 고딕" panose="020B0503020000020004" pitchFamily="50" charset="-127"/>
+              <a:buChar char="-"/>
+            </a:pPr>
+            <a:r>
+              <a:rPr lang="ko-KR" altLang="en-US" dirty="0">
+                <a:solidFill>
+                  <a:schemeClr val="bg1"/>
+                </a:solidFill>
+                <a:latin typeface="G마켓 산스 Light" panose="02000000000000000000" pitchFamily="50" charset="-127"/>
+                <a:ea typeface="G마켓 산스 Light" panose="02000000000000000000" pitchFamily="50" charset="-127"/>
+              </a:rPr>
+              <a:t>여러 방해요소를 이겨내고 에임에 집중하여</a:t>
+            </a:r>
+            <a:br>
+              <a:rPr lang="en-US" altLang="ko-KR" dirty="0">
+                <a:solidFill>
+                  <a:schemeClr val="bg1"/>
+                </a:solidFill>
+                <a:latin typeface="G마켓 산스 Light" panose="02000000000000000000" pitchFamily="50" charset="-127"/>
+                <a:ea typeface="G마켓 산스 Light" panose="02000000000000000000" pitchFamily="50" charset="-127"/>
+              </a:rPr>
+            </a:br>
+            <a:r>
+              <a:rPr lang="ko-KR" altLang="en-US" dirty="0">
+                <a:solidFill>
+                  <a:schemeClr val="bg1"/>
+                </a:solidFill>
+                <a:latin typeface="G마켓 산스 Light" panose="02000000000000000000" pitchFamily="50" charset="-127"/>
+                <a:ea typeface="G마켓 산스 Light" panose="02000000000000000000" pitchFamily="50" charset="-127"/>
+              </a:rPr>
+              <a:t>점수를 얻는 </a:t>
+            </a:r>
+            <a:r>
+              <a:rPr lang="ko-KR" altLang="en-US" dirty="0" err="1">
+                <a:solidFill>
+                  <a:schemeClr val="bg1"/>
+                </a:solidFill>
+                <a:latin typeface="G마켓 산스 Light" panose="02000000000000000000" pitchFamily="50" charset="-127"/>
+                <a:ea typeface="G마켓 산스 Light" panose="02000000000000000000" pitchFamily="50" charset="-127"/>
+              </a:rPr>
+              <a:t>짜랏함</a:t>
             </a:r>
             <a:endParaRPr lang="en-US" altLang="ko-KR" dirty="0">
               <a:solidFill>
@@ -5963,6 +6110,744 @@
 </file>
 
 <file path=ppt/slides/slide4.xml><?xml version="1.0" encoding="utf-8"?>
+<p:sld xmlns:a="http://schemas.openxmlformats.org/drawingml/2006/main" xmlns:r="http://schemas.openxmlformats.org/officeDocument/2006/relationships" xmlns:p="http://schemas.openxmlformats.org/presentationml/2006/main">
+  <p:cSld>
+    <p:spTree>
+      <p:nvGrpSpPr>
+        <p:cNvPr id="1" name=""/>
+        <p:cNvGrpSpPr/>
+        <p:nvPr/>
+      </p:nvGrpSpPr>
+      <p:grpSpPr>
+        <a:xfrm>
+          <a:off x="0" y="0"/>
+          <a:ext cx="0" cy="0"/>
+          <a:chOff x="0" y="0"/>
+          <a:chExt cx="0" cy="0"/>
+        </a:xfrm>
+      </p:grpSpPr>
+      <p:pic>
+        <p:nvPicPr>
+          <p:cNvPr id="4" name="그림 3">
+            <a:extLst>
+              <a:ext uri="{FF2B5EF4-FFF2-40B4-BE49-F238E27FC236}">
+                <a16:creationId xmlns:a16="http://schemas.microsoft.com/office/drawing/2014/main" id="{C30BFC90-EC3B-46CC-A7AB-67A1F231264A}"/>
+              </a:ext>
+            </a:extLst>
+          </p:cNvPr>
+          <p:cNvPicPr>
+            <a:picLocks noChangeAspect="1"/>
+          </p:cNvPicPr>
+          <p:nvPr/>
+        </p:nvPicPr>
+        <p:blipFill>
+          <a:blip r:embed="rId3"/>
+          <a:stretch>
+            <a:fillRect/>
+          </a:stretch>
+        </p:blipFill>
+        <p:spPr>
+          <a:xfrm>
+            <a:off x="-186421" y="-104863"/>
+            <a:ext cx="12525498" cy="7045593"/>
+          </a:xfrm>
+          <a:prstGeom prst="rect">
+            <a:avLst/>
+          </a:prstGeom>
+        </p:spPr>
+      </p:pic>
+      <p:pic>
+        <p:nvPicPr>
+          <p:cNvPr id="5" name="Picture 14" descr="양궁, 대상, 화살, 목표">
+            <a:extLst>
+              <a:ext uri="{FF2B5EF4-FFF2-40B4-BE49-F238E27FC236}">
+                <a16:creationId xmlns:a16="http://schemas.microsoft.com/office/drawing/2014/main" id="{C5429FE5-0B02-4E75-8E3D-377473890AB2}"/>
+              </a:ext>
+            </a:extLst>
+          </p:cNvPr>
+          <p:cNvPicPr>
+            <a:picLocks noChangeAspect="1" noChangeArrowheads="1"/>
+          </p:cNvPicPr>
+          <p:nvPr/>
+        </p:nvPicPr>
+        <p:blipFill>
+          <a:blip r:embed="rId4">
+            <a:extLst>
+              <a:ext uri="{28A0092B-C50C-407E-A947-70E740481C1C}">
+                <a14:useLocalDpi xmlns:a14="http://schemas.microsoft.com/office/drawing/2010/main" val="0"/>
+              </a:ext>
+            </a:extLst>
+          </a:blip>
+          <a:srcRect/>
+          <a:stretch>
+            <a:fillRect/>
+          </a:stretch>
+        </p:blipFill>
+        <p:spPr bwMode="auto">
+          <a:xfrm>
+            <a:off x="87081" y="3885414"/>
+            <a:ext cx="3409749" cy="3409749"/>
+          </a:xfrm>
+          <a:prstGeom prst="rect">
+            <a:avLst/>
+          </a:prstGeom>
+          <a:noFill/>
+          <a:extLst>
+            <a:ext uri="{909E8E84-426E-40DD-AFC4-6F175D3DCCD1}">
+              <a14:hiddenFill xmlns:a14="http://schemas.microsoft.com/office/drawing/2010/main">
+                <a:solidFill>
+                  <a:srgbClr val="FFFFFF"/>
+                </a:solidFill>
+              </a14:hiddenFill>
+            </a:ext>
+          </a:extLst>
+        </p:spPr>
+      </p:pic>
+      <p:sp>
+        <p:nvSpPr>
+          <p:cNvPr id="6" name="직사각형 5">
+            <a:extLst>
+              <a:ext uri="{FF2B5EF4-FFF2-40B4-BE49-F238E27FC236}">
+                <a16:creationId xmlns:a16="http://schemas.microsoft.com/office/drawing/2014/main" id="{C2C7CF5B-8E6A-4B30-B085-0EB8F5D4F40F}"/>
+              </a:ext>
+            </a:extLst>
+          </p:cNvPr>
+          <p:cNvSpPr/>
+          <p:nvPr/>
+        </p:nvSpPr>
+        <p:spPr>
+          <a:xfrm>
+            <a:off x="-186422" y="0"/>
+            <a:ext cx="12596437" cy="6858000"/>
+          </a:xfrm>
+          <a:prstGeom prst="rect">
+            <a:avLst/>
+          </a:prstGeom>
+          <a:solidFill>
+            <a:schemeClr val="tx1">
+              <a:alpha val="70000"/>
+            </a:schemeClr>
+          </a:solidFill>
+          <a:ln>
+            <a:noFill/>
+          </a:ln>
+        </p:spPr>
+        <p:style>
+          <a:lnRef idx="2">
+            <a:schemeClr val="accent1">
+              <a:shade val="50000"/>
+            </a:schemeClr>
+          </a:lnRef>
+          <a:fillRef idx="1">
+            <a:schemeClr val="accent1"/>
+          </a:fillRef>
+          <a:effectRef idx="0">
+            <a:schemeClr val="accent1"/>
+          </a:effectRef>
+          <a:fontRef idx="minor">
+            <a:schemeClr val="lt1"/>
+          </a:fontRef>
+        </p:style>
+        <p:txBody>
+          <a:bodyPr rtlCol="0" anchor="ctr"/>
+          <a:lstStyle/>
+          <a:p>
+            <a:pPr marL="342900" indent="-342900" algn="ctr">
+              <a:buFont typeface="+mj-lt"/>
+              <a:buAutoNum type="arabicPeriod"/>
+            </a:pPr>
+            <a:endParaRPr lang="ko-KR" altLang="en-US"/>
+          </a:p>
+        </p:txBody>
+      </p:sp>
+      <p:sp>
+        <p:nvSpPr>
+          <p:cNvPr id="7" name="제목 1">
+            <a:extLst>
+              <a:ext uri="{FF2B5EF4-FFF2-40B4-BE49-F238E27FC236}">
+                <a16:creationId xmlns:a16="http://schemas.microsoft.com/office/drawing/2014/main" id="{49BB1AAE-D66A-420F-83B8-75A4AFEDDA80}"/>
+              </a:ext>
+            </a:extLst>
+          </p:cNvPr>
+          <p:cNvSpPr txBox="1">
+            <a:spLocks/>
+          </p:cNvSpPr>
+          <p:nvPr/>
+        </p:nvSpPr>
+        <p:spPr>
+          <a:xfrm>
+            <a:off x="246472" y="566255"/>
+            <a:ext cx="806042" cy="6161715"/>
+          </a:xfrm>
+          <a:prstGeom prst="rect">
+            <a:avLst/>
+          </a:prstGeom>
+        </p:spPr>
+        <p:txBody>
+          <a:bodyPr vert="eaVert" lIns="91440" tIns="45720" rIns="91440" bIns="45720" rtlCol="0" anchor="ctr">
+            <a:noAutofit/>
+          </a:bodyPr>
+          <a:lstStyle>
+            <a:lvl1pPr algn="l" defTabSz="914400" rtl="0" eaLnBrk="1" latinLnBrk="1" hangingPunct="1">
+              <a:lnSpc>
+                <a:spcPct val="90000"/>
+              </a:lnSpc>
+              <a:spcBef>
+                <a:spcPct val="0"/>
+              </a:spcBef>
+              <a:buNone/>
+              <a:defRPr sz="4400" kern="1200">
+                <a:solidFill>
+                  <a:schemeClr val="tx1"/>
+                </a:solidFill>
+                <a:latin typeface="+mj-lt"/>
+                <a:ea typeface="+mj-ea"/>
+                <a:cs typeface="+mj-cs"/>
+              </a:defRPr>
+            </a:lvl1pPr>
+          </a:lstStyle>
+          <a:p>
+            <a:pPr marL="571500" indent="-571500">
+              <a:buFont typeface="Arial" panose="020B0604020202020204" pitchFamily="34" charset="0"/>
+              <a:buChar char="•"/>
+            </a:pPr>
+            <a:r>
+              <a:rPr lang="ko-KR" altLang="en-US" sz="6000" dirty="0">
+                <a:solidFill>
+                  <a:schemeClr val="bg1"/>
+                </a:solidFill>
+                <a:latin typeface="배달의민족 을지로체" panose="020B0600000101010101" pitchFamily="34" charset="-127"/>
+                <a:ea typeface="배달의민족 을지로체" panose="020B0600000101010101" pitchFamily="34" charset="-127"/>
+              </a:rPr>
+              <a:t>예</a:t>
+            </a:r>
+            <a:r>
+              <a:rPr lang="ko-KR" altLang="en-US" sz="1800" dirty="0">
+                <a:solidFill>
+                  <a:schemeClr val="bg1"/>
+                </a:solidFill>
+                <a:latin typeface="배달의민족 을지로체" panose="020B0600000101010101" pitchFamily="34" charset="-127"/>
+                <a:ea typeface="배달의민족 을지로체" panose="020B0600000101010101" pitchFamily="34" charset="-127"/>
+              </a:rPr>
+              <a:t> </a:t>
+            </a:r>
+            <a:r>
+              <a:rPr lang="ko-KR" altLang="en-US" sz="6000" dirty="0">
+                <a:solidFill>
+                  <a:schemeClr val="bg1"/>
+                </a:solidFill>
+                <a:latin typeface="배달의민족 을지로체" panose="020B0600000101010101" pitchFamily="34" charset="-127"/>
+                <a:ea typeface="배달의민족 을지로체" panose="020B0600000101010101" pitchFamily="34" charset="-127"/>
+              </a:rPr>
+              <a:t>상</a:t>
+            </a:r>
+            <a:r>
+              <a:rPr lang="ko-KR" altLang="en-US" sz="5000" dirty="0">
+                <a:solidFill>
+                  <a:schemeClr val="bg1"/>
+                </a:solidFill>
+                <a:latin typeface="배달의민족 을지로체" panose="020B0600000101010101" pitchFamily="34" charset="-127"/>
+                <a:ea typeface="배달의민족 을지로체" panose="020B0600000101010101" pitchFamily="34" charset="-127"/>
+              </a:rPr>
+              <a:t> </a:t>
+            </a:r>
+            <a:r>
+              <a:rPr lang="ko-KR" altLang="en-US" sz="2400" dirty="0">
+                <a:solidFill>
+                  <a:schemeClr val="bg1"/>
+                </a:solidFill>
+                <a:latin typeface="배달의민족 을지로체" panose="020B0600000101010101" pitchFamily="34" charset="-127"/>
+                <a:ea typeface="배달의민족 을지로체" panose="020B0600000101010101" pitchFamily="34" charset="-127"/>
+              </a:rPr>
+              <a:t>  </a:t>
+            </a:r>
+            <a:r>
+              <a:rPr lang="ko-KR" altLang="en-US" sz="6000" dirty="0">
+                <a:solidFill>
+                  <a:schemeClr val="bg1"/>
+                </a:solidFill>
+                <a:latin typeface="배달의민족 을지로체" panose="020B0600000101010101" pitchFamily="34" charset="-127"/>
+                <a:ea typeface="배달의민족 을지로체" panose="020B0600000101010101" pitchFamily="34" charset="-127"/>
+              </a:rPr>
+              <a:t>진</a:t>
+            </a:r>
+            <a:r>
+              <a:rPr lang="ko-KR" altLang="en-US" dirty="0">
+                <a:solidFill>
+                  <a:schemeClr val="bg1"/>
+                </a:solidFill>
+                <a:latin typeface="배달의민족 을지로체" panose="020B0600000101010101" pitchFamily="34" charset="-127"/>
+                <a:ea typeface="배달의민족 을지로체" panose="020B0600000101010101" pitchFamily="34" charset="-127"/>
+              </a:rPr>
+              <a:t> </a:t>
+            </a:r>
+            <a:r>
+              <a:rPr lang="ko-KR" altLang="en-US" sz="6000" dirty="0">
+                <a:solidFill>
+                  <a:schemeClr val="bg1"/>
+                </a:solidFill>
+                <a:latin typeface="배달의민족 을지로체" panose="020B0600000101010101" pitchFamily="34" charset="-127"/>
+                <a:ea typeface="배달의민족 을지로체" panose="020B0600000101010101" pitchFamily="34" charset="-127"/>
+              </a:rPr>
+              <a:t>행</a:t>
+            </a:r>
+            <a:r>
+              <a:rPr lang="ko-KR" altLang="en-US" sz="2400" dirty="0">
+                <a:solidFill>
+                  <a:schemeClr val="bg1"/>
+                </a:solidFill>
+                <a:latin typeface="배달의민족 을지로체" panose="020B0600000101010101" pitchFamily="34" charset="-127"/>
+                <a:ea typeface="배달의민족 을지로체" panose="020B0600000101010101" pitchFamily="34" charset="-127"/>
+              </a:rPr>
+              <a:t>  </a:t>
+            </a:r>
+            <a:r>
+              <a:rPr lang="ko-KR" altLang="en-US" sz="5000" dirty="0">
+                <a:solidFill>
+                  <a:schemeClr val="bg1"/>
+                </a:solidFill>
+                <a:latin typeface="배달의민족 을지로체" panose="020B0600000101010101" pitchFamily="34" charset="-127"/>
+                <a:ea typeface="배달의민족 을지로체" panose="020B0600000101010101" pitchFamily="34" charset="-127"/>
+              </a:rPr>
+              <a:t> </a:t>
+            </a:r>
+            <a:r>
+              <a:rPr lang="ko-KR" altLang="en-US" sz="6000" dirty="0" err="1">
+                <a:solidFill>
+                  <a:schemeClr val="bg1"/>
+                </a:solidFill>
+                <a:latin typeface="배달의민족 을지로체" panose="020B0600000101010101" pitchFamily="34" charset="-127"/>
+                <a:ea typeface="배달의민족 을지로체" panose="020B0600000101010101" pitchFamily="34" charset="-127"/>
+              </a:rPr>
+              <a:t>흐</a:t>
+            </a:r>
+            <a:r>
+              <a:rPr lang="ko-KR" altLang="en-US" sz="1400" dirty="0">
+                <a:solidFill>
+                  <a:schemeClr val="bg1"/>
+                </a:solidFill>
+                <a:latin typeface="배달의민족 을지로체" panose="020B0600000101010101" pitchFamily="34" charset="-127"/>
+                <a:ea typeface="배달의민족 을지로체" panose="020B0600000101010101" pitchFamily="34" charset="-127"/>
+              </a:rPr>
+              <a:t> </a:t>
+            </a:r>
+            <a:r>
+              <a:rPr lang="ko-KR" altLang="en-US" sz="6000" dirty="0" err="1">
+                <a:solidFill>
+                  <a:schemeClr val="bg1"/>
+                </a:solidFill>
+                <a:latin typeface="배달의민족 을지로체" panose="020B0600000101010101" pitchFamily="34" charset="-127"/>
+                <a:ea typeface="배달의민족 을지로체" panose="020B0600000101010101" pitchFamily="34" charset="-127"/>
+              </a:rPr>
+              <a:t>름</a:t>
+            </a:r>
+            <a:endParaRPr lang="ko-KR" altLang="en-US" sz="6000" dirty="0">
+              <a:solidFill>
+                <a:schemeClr val="bg1"/>
+              </a:solidFill>
+              <a:latin typeface="배달의민족 을지로체" panose="020B0600000101010101" pitchFamily="34" charset="-127"/>
+              <a:ea typeface="배달의민족 을지로체" panose="020B0600000101010101" pitchFamily="34" charset="-127"/>
+            </a:endParaRPr>
+          </a:p>
+        </p:txBody>
+      </p:sp>
+      <p:sp>
+        <p:nvSpPr>
+          <p:cNvPr id="14" name="내용 개체 틀 2">
+            <a:extLst>
+              <a:ext uri="{FF2B5EF4-FFF2-40B4-BE49-F238E27FC236}">
+                <a16:creationId xmlns:a16="http://schemas.microsoft.com/office/drawing/2014/main" id="{EA66136D-099F-4620-B18D-7E81BE08F893}"/>
+              </a:ext>
+            </a:extLst>
+          </p:cNvPr>
+          <p:cNvSpPr>
+            <a:spLocks noGrp="1"/>
+          </p:cNvSpPr>
+          <p:nvPr>
+            <p:ph idx="1"/>
+          </p:nvPr>
+        </p:nvSpPr>
+        <p:spPr>
+          <a:xfrm>
+            <a:off x="1429928" y="566256"/>
+            <a:ext cx="10515600" cy="5224944"/>
+          </a:xfrm>
+        </p:spPr>
+        <p:txBody>
+          <a:bodyPr>
+            <a:normAutofit/>
+          </a:bodyPr>
+          <a:lstStyle/>
+          <a:p>
+            <a:pPr marL="0" indent="0">
+              <a:lnSpc>
+                <a:spcPct val="150000"/>
+              </a:lnSpc>
+              <a:spcBef>
+                <a:spcPts val="0"/>
+              </a:spcBef>
+              <a:buNone/>
+            </a:pPr>
+            <a:r>
+              <a:rPr lang="ko-KR" altLang="en-US" sz="4000" dirty="0">
+                <a:solidFill>
+                  <a:schemeClr val="bg1"/>
+                </a:solidFill>
+                <a:latin typeface="G마켓 산스 Medium" panose="02000000000000000000" pitchFamily="50" charset="-127"/>
+                <a:ea typeface="G마켓 산스 Medium" panose="02000000000000000000" pitchFamily="50" charset="-127"/>
+              </a:rPr>
+              <a:t>양궁 스테이지</a:t>
+            </a:r>
+            <a:endParaRPr lang="en-US" altLang="ko-KR" dirty="0">
+              <a:solidFill>
+                <a:schemeClr val="bg1"/>
+              </a:solidFill>
+              <a:latin typeface="G마켓 산스 Light" panose="02000000000000000000" pitchFamily="50" charset="-127"/>
+              <a:ea typeface="G마켓 산스 Light" panose="02000000000000000000" pitchFamily="50" charset="-127"/>
+            </a:endParaRPr>
+          </a:p>
+          <a:p>
+            <a:pPr>
+              <a:lnSpc>
+                <a:spcPct val="150000"/>
+              </a:lnSpc>
+              <a:spcBef>
+                <a:spcPts val="0"/>
+              </a:spcBef>
+              <a:buFont typeface="맑은 고딕" panose="020B0503020000020004" pitchFamily="50" charset="-127"/>
+              <a:buChar char="-"/>
+            </a:pPr>
+            <a:r>
+              <a:rPr lang="ko-KR" altLang="en-US" dirty="0">
+                <a:solidFill>
+                  <a:schemeClr val="bg1"/>
+                </a:solidFill>
+                <a:latin typeface="G마켓 산스 Medium" panose="02000000000000000000" pitchFamily="50" charset="-127"/>
+                <a:ea typeface="G마켓 산스 Medium" panose="02000000000000000000" pitchFamily="50" charset="-127"/>
+              </a:rPr>
+              <a:t>마우스</a:t>
+            </a:r>
+            <a:r>
+              <a:rPr lang="ko-KR" altLang="en-US" dirty="0">
+                <a:solidFill>
+                  <a:schemeClr val="bg1"/>
+                </a:solidFill>
+                <a:latin typeface="G마켓 산스 Light" panose="02000000000000000000" pitchFamily="50" charset="-127"/>
+                <a:ea typeface="G마켓 산스 Light" panose="02000000000000000000" pitchFamily="50" charset="-127"/>
+              </a:rPr>
+              <a:t>가 향하는 곳으로 에임이 </a:t>
+            </a:r>
+            <a:r>
+              <a:rPr lang="ko-KR" altLang="en-US" dirty="0" err="1">
+                <a:solidFill>
+                  <a:schemeClr val="bg1"/>
+                </a:solidFill>
+                <a:latin typeface="G마켓 산스 Light" panose="02000000000000000000" pitchFamily="50" charset="-127"/>
+                <a:ea typeface="G마켓 산스 Light" panose="02000000000000000000" pitchFamily="50" charset="-127"/>
+              </a:rPr>
+              <a:t>맞춰짐</a:t>
+            </a:r>
+            <a:endParaRPr lang="en-US" altLang="ko-KR" dirty="0">
+              <a:solidFill>
+                <a:schemeClr val="bg1"/>
+              </a:solidFill>
+              <a:latin typeface="G마켓 산스 Light" panose="02000000000000000000" pitchFamily="50" charset="-127"/>
+              <a:ea typeface="G마켓 산스 Light" panose="02000000000000000000" pitchFamily="50" charset="-127"/>
+            </a:endParaRPr>
+          </a:p>
+          <a:p>
+            <a:pPr>
+              <a:lnSpc>
+                <a:spcPct val="150000"/>
+              </a:lnSpc>
+              <a:spcBef>
+                <a:spcPts val="0"/>
+              </a:spcBef>
+              <a:buFont typeface="맑은 고딕" panose="020B0503020000020004" pitchFamily="50" charset="-127"/>
+              <a:buChar char="-"/>
+            </a:pPr>
+            <a:r>
+              <a:rPr lang="ko-KR" altLang="en-US" dirty="0">
+                <a:solidFill>
+                  <a:schemeClr val="bg1"/>
+                </a:solidFill>
+                <a:latin typeface="G마켓 산스 Light" panose="02000000000000000000" pitchFamily="50" charset="-127"/>
+                <a:ea typeface="G마켓 산스 Light" panose="02000000000000000000" pitchFamily="50" charset="-127"/>
+              </a:rPr>
+              <a:t>바람의 </a:t>
+            </a:r>
+            <a:r>
+              <a:rPr lang="ko-KR" altLang="en-US" dirty="0">
+                <a:solidFill>
+                  <a:schemeClr val="bg1"/>
+                </a:solidFill>
+                <a:latin typeface="G마켓 산스 Medium" panose="02000000000000000000" pitchFamily="50" charset="-127"/>
+                <a:ea typeface="G마켓 산스 Medium" panose="02000000000000000000" pitchFamily="50" charset="-127"/>
+              </a:rPr>
+              <a:t>강도와 방향</a:t>
+            </a:r>
+            <a:r>
+              <a:rPr lang="ko-KR" altLang="en-US" dirty="0">
+                <a:solidFill>
+                  <a:schemeClr val="bg1"/>
+                </a:solidFill>
+                <a:latin typeface="G마켓 산스 Light" panose="02000000000000000000" pitchFamily="50" charset="-127"/>
+                <a:ea typeface="G마켓 산스 Light" panose="02000000000000000000" pitchFamily="50" charset="-127"/>
+              </a:rPr>
+              <a:t>에 따라 에임이 흔들림</a:t>
+            </a:r>
+            <a:endParaRPr lang="en-US" altLang="ko-KR" dirty="0">
+              <a:solidFill>
+                <a:schemeClr val="bg1"/>
+              </a:solidFill>
+              <a:latin typeface="G마켓 산스 Light" panose="02000000000000000000" pitchFamily="50" charset="-127"/>
+              <a:ea typeface="G마켓 산스 Light" panose="02000000000000000000" pitchFamily="50" charset="-127"/>
+            </a:endParaRPr>
+          </a:p>
+          <a:p>
+            <a:pPr>
+              <a:lnSpc>
+                <a:spcPct val="150000"/>
+              </a:lnSpc>
+              <a:spcBef>
+                <a:spcPts val="0"/>
+              </a:spcBef>
+              <a:buFont typeface="맑은 고딕" panose="020B0503020000020004" pitchFamily="50" charset="-127"/>
+              <a:buChar char="-"/>
+            </a:pPr>
+            <a:r>
+              <a:rPr lang="ko-KR" altLang="en-US" dirty="0">
+                <a:solidFill>
+                  <a:schemeClr val="bg1"/>
+                </a:solidFill>
+                <a:latin typeface="G마켓 산스 Light" panose="02000000000000000000" pitchFamily="50" charset="-127"/>
+                <a:ea typeface="G마켓 산스 Light" panose="02000000000000000000" pitchFamily="50" charset="-127"/>
+              </a:rPr>
+              <a:t>경고 메시지가 뜬 후 화면이 가려지는 등의 </a:t>
+            </a:r>
+            <a:r>
+              <a:rPr lang="ko-KR" altLang="en-US" dirty="0">
+                <a:solidFill>
+                  <a:schemeClr val="bg1"/>
+                </a:solidFill>
+                <a:latin typeface="G마켓 산스 Medium" panose="02000000000000000000" pitchFamily="50" charset="-127"/>
+                <a:ea typeface="G마켓 산스 Medium" panose="02000000000000000000" pitchFamily="50" charset="-127"/>
+              </a:rPr>
+              <a:t>장애물</a:t>
+            </a:r>
+            <a:r>
+              <a:rPr lang="ko-KR" altLang="en-US" dirty="0">
+                <a:solidFill>
+                  <a:schemeClr val="bg1"/>
+                </a:solidFill>
+                <a:latin typeface="G마켓 산스 Light" panose="02000000000000000000" pitchFamily="50" charset="-127"/>
+                <a:ea typeface="G마켓 산스 Light" panose="02000000000000000000" pitchFamily="50" charset="-127"/>
+              </a:rPr>
+              <a:t> 등장</a:t>
+            </a:r>
+            <a:endParaRPr lang="en-US" altLang="ko-KR" dirty="0">
+              <a:solidFill>
+                <a:schemeClr val="bg1"/>
+              </a:solidFill>
+              <a:latin typeface="G마켓 산스 Light" panose="02000000000000000000" pitchFamily="50" charset="-127"/>
+              <a:ea typeface="G마켓 산스 Light" panose="02000000000000000000" pitchFamily="50" charset="-127"/>
+            </a:endParaRPr>
+          </a:p>
+          <a:p>
+            <a:pPr>
+              <a:lnSpc>
+                <a:spcPct val="150000"/>
+              </a:lnSpc>
+              <a:spcBef>
+                <a:spcPts val="0"/>
+              </a:spcBef>
+              <a:buFont typeface="맑은 고딕" panose="020B0503020000020004" pitchFamily="50" charset="-127"/>
+              <a:buChar char="-"/>
+            </a:pPr>
+            <a:r>
+              <a:rPr lang="ko-KR" altLang="en-US" dirty="0">
+                <a:solidFill>
+                  <a:schemeClr val="bg1"/>
+                </a:solidFill>
+                <a:latin typeface="G마켓 산스 Light" panose="02000000000000000000" pitchFamily="50" charset="-127"/>
+                <a:ea typeface="G마켓 산스 Light" panose="02000000000000000000" pitchFamily="50" charset="-127"/>
+              </a:rPr>
+              <a:t>마우스 </a:t>
+            </a:r>
+            <a:r>
+              <a:rPr lang="ko-KR" altLang="en-US" dirty="0">
+                <a:solidFill>
+                  <a:schemeClr val="bg1"/>
+                </a:solidFill>
+                <a:latin typeface="G마켓 산스 Medium" panose="02000000000000000000" pitchFamily="50" charset="-127"/>
+                <a:ea typeface="G마켓 산스 Medium" panose="02000000000000000000" pitchFamily="50" charset="-127"/>
+              </a:rPr>
+              <a:t>클릭</a:t>
+            </a:r>
+            <a:r>
+              <a:rPr lang="ko-KR" altLang="en-US" dirty="0">
+                <a:solidFill>
+                  <a:schemeClr val="bg1"/>
+                </a:solidFill>
+                <a:latin typeface="G마켓 산스 Light" panose="02000000000000000000" pitchFamily="50" charset="-127"/>
+                <a:ea typeface="G마켓 산스 Light" panose="02000000000000000000" pitchFamily="50" charset="-127"/>
+              </a:rPr>
+              <a:t>으로 화살 발사</a:t>
+            </a:r>
+            <a:endParaRPr lang="en-US" altLang="ko-KR" dirty="0">
+              <a:solidFill>
+                <a:schemeClr val="bg1"/>
+              </a:solidFill>
+              <a:latin typeface="G마켓 산스 Light" panose="02000000000000000000" pitchFamily="50" charset="-127"/>
+              <a:ea typeface="G마켓 산스 Light" panose="02000000000000000000" pitchFamily="50" charset="-127"/>
+            </a:endParaRPr>
+          </a:p>
+          <a:p>
+            <a:pPr>
+              <a:lnSpc>
+                <a:spcPct val="150000"/>
+              </a:lnSpc>
+              <a:spcBef>
+                <a:spcPts val="0"/>
+              </a:spcBef>
+              <a:buFont typeface="맑은 고딕" panose="020B0503020000020004" pitchFamily="50" charset="-127"/>
+              <a:buChar char="-"/>
+            </a:pPr>
+            <a:r>
+              <a:rPr lang="ko-KR" altLang="en-US" dirty="0">
+                <a:solidFill>
+                  <a:schemeClr val="bg1"/>
+                </a:solidFill>
+                <a:latin typeface="G마켓 산스 Medium" panose="02000000000000000000" pitchFamily="50" charset="-127"/>
+                <a:ea typeface="G마켓 산스 Medium" panose="02000000000000000000" pitchFamily="50" charset="-127"/>
+              </a:rPr>
+              <a:t>마지막 에임 </a:t>
+            </a:r>
+            <a:r>
+              <a:rPr lang="ko-KR" altLang="en-US" dirty="0">
+                <a:solidFill>
+                  <a:schemeClr val="bg1"/>
+                </a:solidFill>
+                <a:latin typeface="G마켓 산스 Light" panose="02000000000000000000" pitchFamily="50" charset="-127"/>
+                <a:ea typeface="G마켓 산스 Light" panose="02000000000000000000" pitchFamily="50" charset="-127"/>
+              </a:rPr>
+              <a:t>부분에 화살 박힘</a:t>
+            </a:r>
+            <a:endParaRPr lang="en-US" altLang="ko-KR" dirty="0">
+              <a:solidFill>
+                <a:schemeClr val="bg1"/>
+              </a:solidFill>
+              <a:latin typeface="G마켓 산스 Light" panose="02000000000000000000" pitchFamily="50" charset="-127"/>
+              <a:ea typeface="G마켓 산스 Light" panose="02000000000000000000" pitchFamily="50" charset="-127"/>
+            </a:endParaRPr>
+          </a:p>
+          <a:p>
+            <a:pPr>
+              <a:lnSpc>
+                <a:spcPct val="150000"/>
+              </a:lnSpc>
+              <a:spcBef>
+                <a:spcPts val="0"/>
+              </a:spcBef>
+              <a:buFont typeface="맑은 고딕" panose="020B0503020000020004" pitchFamily="50" charset="-127"/>
+              <a:buChar char="-"/>
+            </a:pPr>
+            <a:r>
+              <a:rPr lang="ko-KR" altLang="en-US" dirty="0">
+                <a:solidFill>
+                  <a:schemeClr val="bg1"/>
+                </a:solidFill>
+                <a:latin typeface="G마켓 산스 Medium" panose="02000000000000000000" pitchFamily="50" charset="-127"/>
+                <a:ea typeface="G마켓 산스 Medium" panose="02000000000000000000" pitchFamily="50" charset="-127"/>
+              </a:rPr>
+              <a:t>점수</a:t>
+            </a:r>
+            <a:r>
+              <a:rPr lang="ko-KR" altLang="en-US" dirty="0">
+                <a:solidFill>
+                  <a:schemeClr val="bg1"/>
+                </a:solidFill>
+                <a:latin typeface="G마켓 산스 Light" panose="02000000000000000000" pitchFamily="50" charset="-127"/>
+                <a:ea typeface="G마켓 산스 Light" panose="02000000000000000000" pitchFamily="50" charset="-127"/>
+              </a:rPr>
+              <a:t> 계산</a:t>
+            </a:r>
+            <a:endParaRPr lang="en-US" altLang="ko-KR" dirty="0">
+              <a:solidFill>
+                <a:schemeClr val="bg1"/>
+              </a:solidFill>
+              <a:latin typeface="G마켓 산스 Light" panose="02000000000000000000" pitchFamily="50" charset="-127"/>
+              <a:ea typeface="G마켓 산스 Light" panose="02000000000000000000" pitchFamily="50" charset="-127"/>
+            </a:endParaRPr>
+          </a:p>
+        </p:txBody>
+      </p:sp>
+      <p:pic>
+        <p:nvPicPr>
+          <p:cNvPr id="1028" name="Picture 4" descr="플래시 양궁게임">
+            <a:extLst>
+              <a:ext uri="{FF2B5EF4-FFF2-40B4-BE49-F238E27FC236}">
+                <a16:creationId xmlns:a16="http://schemas.microsoft.com/office/drawing/2014/main" id="{28DC23B8-78BB-4268-BB17-5B93471BC4BF}"/>
+              </a:ext>
+            </a:extLst>
+          </p:cNvPr>
+          <p:cNvPicPr>
+            <a:picLocks noChangeAspect="1" noChangeArrowheads="1"/>
+          </p:cNvPicPr>
+          <p:nvPr/>
+        </p:nvPicPr>
+        <p:blipFill>
+          <a:blip r:embed="rId5">
+            <a:extLst>
+              <a:ext uri="{28A0092B-C50C-407E-A947-70E740481C1C}">
+                <a14:useLocalDpi xmlns:a14="http://schemas.microsoft.com/office/drawing/2010/main" val="0"/>
+              </a:ext>
+            </a:extLst>
+          </a:blip>
+          <a:srcRect/>
+          <a:stretch>
+            <a:fillRect/>
+          </a:stretch>
+        </p:blipFill>
+        <p:spPr bwMode="auto">
+          <a:xfrm>
+            <a:off x="7801760" y="3664288"/>
+            <a:ext cx="4143767" cy="2944837"/>
+          </a:xfrm>
+          <a:prstGeom prst="rect">
+            <a:avLst/>
+          </a:prstGeom>
+          <a:noFill/>
+          <a:ln w="38100">
+            <a:solidFill>
+              <a:schemeClr val="bg1"/>
+            </a:solidFill>
+          </a:ln>
+          <a:extLst>
+            <a:ext uri="{909E8E84-426E-40DD-AFC4-6F175D3DCCD1}">
+              <a14:hiddenFill xmlns:a14="http://schemas.microsoft.com/office/drawing/2010/main">
+                <a:solidFill>
+                  <a:srgbClr val="FFFFFF"/>
+                </a:solidFill>
+              </a14:hiddenFill>
+            </a:ext>
+          </a:extLst>
+        </p:spPr>
+      </p:pic>
+    </p:spTree>
+    <p:extLst>
+      <p:ext uri="{BB962C8B-B14F-4D97-AF65-F5344CB8AC3E}">
+        <p14:creationId xmlns:p14="http://schemas.microsoft.com/office/powerpoint/2010/main" val="1958043986"/>
+      </p:ext>
+    </p:extLst>
+  </p:cSld>
+  <p:clrMapOvr>
+    <a:masterClrMapping/>
+  </p:clrMapOvr>
+</p:sld>
+</file>
+
+<file path=ppt/slides/slide5.xml><?xml version="1.0" encoding="utf-8"?>
 <p:sld xmlns:a="http://schemas.openxmlformats.org/drawingml/2006/main" xmlns:r="http://schemas.openxmlformats.org/officeDocument/2006/relationships" xmlns:p="http://schemas.openxmlformats.org/presentationml/2006/main">
   <p:cSld>
     <p:spTree>
